--- a/Presentation.pptx
+++ b/Presentation.pptx
@@ -109,6 +109,11 @@
       </a:defRPr>
     </a:lvl9pPr>
   </p:defaultTextStyle>
+  <p:extLst>
+    <p:ext uri="{EFAFB233-063F-42B5-8137-9DF3F51BA10A}">
+      <p15:sldGuideLst xmlns:p15="http://schemas.microsoft.com/office/powerpoint/2012/main"/>
+    </p:ext>
+  </p:extLst>
 </p:presentation>
 </file>
 
@@ -304,7 +309,7 @@
             <a:fld id="{B61BEF0D-F0BB-DE4B-95CE-6DB70DBA9567}" type="datetimeFigureOut">
               <a:rPr lang="en-US" dirty="0"/>
               <a:pPr/>
-              <a:t>1/16/2020</a:t>
+              <a:t>1/18/2020</a:t>
             </a:fld>
             <a:endParaRPr lang="en-US" dirty="0"/>
           </a:p>
@@ -737,7 +742,7 @@
             <a:fld id="{B61BEF0D-F0BB-DE4B-95CE-6DB70DBA9567}" type="datetimeFigureOut">
               <a:rPr lang="en-US" dirty="0"/>
               <a:pPr/>
-              <a:t>1/16/2020</a:t>
+              <a:t>1/18/2020</a:t>
             </a:fld>
             <a:endParaRPr lang="en-US" dirty="0"/>
           </a:p>
@@ -984,7 +989,7 @@
             <a:fld id="{B61BEF0D-F0BB-DE4B-95CE-6DB70DBA9567}" type="datetimeFigureOut">
               <a:rPr lang="en-US" dirty="0"/>
               <a:pPr/>
-              <a:t>1/16/2020</a:t>
+              <a:t>1/18/2020</a:t>
             </a:fld>
             <a:endParaRPr lang="en-US" dirty="0"/>
           </a:p>
@@ -1289,7 +1294,7 @@
             <a:fld id="{B61BEF0D-F0BB-DE4B-95CE-6DB70DBA9567}" type="datetimeFigureOut">
               <a:rPr lang="en-US" dirty="0"/>
               <a:pPr/>
-              <a:t>1/16/2020</a:t>
+              <a:t>1/18/2020</a:t>
             </a:fld>
             <a:endParaRPr lang="en-US" dirty="0"/>
           </a:p>
@@ -1604,7 +1609,7 @@
             <a:fld id="{B61BEF0D-F0BB-DE4B-95CE-6DB70DBA9567}" type="datetimeFigureOut">
               <a:rPr lang="en-US" dirty="0"/>
               <a:pPr/>
-              <a:t>1/16/2020</a:t>
+              <a:t>1/18/2020</a:t>
             </a:fld>
             <a:endParaRPr lang="en-US" dirty="0"/>
           </a:p>
@@ -1903,7 +1908,7 @@
             <a:fld id="{B61BEF0D-F0BB-DE4B-95CE-6DB70DBA9567}" type="datetimeFigureOut">
               <a:rPr lang="en-US" dirty="0"/>
               <a:pPr/>
-              <a:t>1/16/2020</a:t>
+              <a:t>1/18/2020</a:t>
             </a:fld>
             <a:endParaRPr lang="en-US" dirty="0"/>
           </a:p>
@@ -2267,7 +2272,7 @@
             <a:fld id="{B61BEF0D-F0BB-DE4B-95CE-6DB70DBA9567}" type="datetimeFigureOut">
               <a:rPr lang="en-US" dirty="0"/>
               <a:pPr/>
-              <a:t>1/16/2020</a:t>
+              <a:t>1/18/2020</a:t>
             </a:fld>
             <a:endParaRPr lang="en-US" dirty="0"/>
           </a:p>
@@ -2438,7 +2443,7 @@
             <a:fld id="{B61BEF0D-F0BB-DE4B-95CE-6DB70DBA9567}" type="datetimeFigureOut">
               <a:rPr lang="en-US" dirty="0"/>
               <a:pPr/>
-              <a:t>1/16/2020</a:t>
+              <a:t>1/18/2020</a:t>
             </a:fld>
             <a:endParaRPr lang="en-US" dirty="0"/>
           </a:p>
@@ -2615,7 +2620,7 @@
             <a:fld id="{B61BEF0D-F0BB-DE4B-95CE-6DB70DBA9567}" type="datetimeFigureOut">
               <a:rPr lang="en-US" dirty="0"/>
               <a:pPr/>
-              <a:t>1/16/2020</a:t>
+              <a:t>1/18/2020</a:t>
             </a:fld>
             <a:endParaRPr lang="en-US" dirty="0"/>
           </a:p>
@@ -2782,7 +2787,7 @@
             <a:fld id="{B61BEF0D-F0BB-DE4B-95CE-6DB70DBA9567}" type="datetimeFigureOut">
               <a:rPr lang="en-US" dirty="0"/>
               <a:pPr/>
-              <a:t>1/16/2020</a:t>
+              <a:t>1/18/2020</a:t>
             </a:fld>
             <a:endParaRPr lang="en-US" dirty="0"/>
           </a:p>
@@ -3029,7 +3034,7 @@
             <a:fld id="{B61BEF0D-F0BB-DE4B-95CE-6DB70DBA9567}" type="datetimeFigureOut">
               <a:rPr lang="en-US" dirty="0"/>
               <a:pPr/>
-              <a:t>1/16/2020</a:t>
+              <a:t>1/18/2020</a:t>
             </a:fld>
             <a:endParaRPr lang="en-US" dirty="0"/>
           </a:p>
@@ -3262,7 +3267,7 @@
             <a:fld id="{B61BEF0D-F0BB-DE4B-95CE-6DB70DBA9567}" type="datetimeFigureOut">
               <a:rPr lang="en-US" dirty="0"/>
               <a:pPr/>
-              <a:t>1/16/2020</a:t>
+              <a:t>1/18/2020</a:t>
             </a:fld>
             <a:endParaRPr lang="en-US" dirty="0"/>
           </a:p>
@@ -3641,7 +3646,7 @@
             <a:fld id="{B61BEF0D-F0BB-DE4B-95CE-6DB70DBA9567}" type="datetimeFigureOut">
               <a:rPr lang="en-US" dirty="0"/>
               <a:pPr/>
-              <a:t>1/16/2020</a:t>
+              <a:t>1/18/2020</a:t>
             </a:fld>
             <a:endParaRPr lang="en-US" dirty="0"/>
           </a:p>
@@ -3756,7 +3761,7 @@
             <a:fld id="{B61BEF0D-F0BB-DE4B-95CE-6DB70DBA9567}" type="datetimeFigureOut">
               <a:rPr lang="en-US" dirty="0"/>
               <a:pPr/>
-              <a:t>1/16/2020</a:t>
+              <a:t>1/18/2020</a:t>
             </a:fld>
             <a:endParaRPr lang="en-US" dirty="0"/>
           </a:p>
@@ -3848,7 +3853,7 @@
             <a:fld id="{B61BEF0D-F0BB-DE4B-95CE-6DB70DBA9567}" type="datetimeFigureOut">
               <a:rPr lang="en-US" dirty="0"/>
               <a:pPr/>
-              <a:t>1/16/2020</a:t>
+              <a:t>1/18/2020</a:t>
             </a:fld>
             <a:endParaRPr lang="en-US" dirty="0"/>
           </a:p>
@@ -4100,7 +4105,7 @@
             <a:fld id="{B61BEF0D-F0BB-DE4B-95CE-6DB70DBA9567}" type="datetimeFigureOut">
               <a:rPr lang="en-US" dirty="0"/>
               <a:pPr/>
-              <a:t>1/16/2020</a:t>
+              <a:t>1/18/2020</a:t>
             </a:fld>
             <a:endParaRPr lang="en-US" dirty="0"/>
           </a:p>
@@ -4380,7 +4385,7 @@
             <a:fld id="{B61BEF0D-F0BB-DE4B-95CE-6DB70DBA9567}" type="datetimeFigureOut">
               <a:rPr lang="en-US" dirty="0"/>
               <a:pPr/>
-              <a:t>1/16/2020</a:t>
+              <a:t>1/18/2020</a:t>
             </a:fld>
             <a:endParaRPr lang="en-US" dirty="0"/>
           </a:p>
@@ -4783,7 +4788,7 @@
             <a:fld id="{B61BEF0D-F0BB-DE4B-95CE-6DB70DBA9567}" type="datetimeFigureOut">
               <a:rPr lang="en-US" dirty="0"/>
               <a:pPr/>
-              <a:t>1/16/2020</a:t>
+              <a:t>1/18/2020</a:t>
             </a:fld>
             <a:endParaRPr lang="en-US" dirty="0"/>
           </a:p>
@@ -5337,11 +5342,13 @@
           </a:xfrm>
         </p:spPr>
         <p:txBody>
-          <a:bodyPr/>
-          <a:lstStyle/>
-          <a:p>
-            <a:r>
-              <a:rPr lang="en-US" dirty="0"/>
+          <a:bodyPr>
+            <a:normAutofit/>
+          </a:bodyPr>
+          <a:lstStyle/>
+          <a:p>
+            <a:r>
+              <a:rPr lang="en-US" sz="5000" dirty="0"/>
               <a:t>FAKE NEWS</a:t>
             </a:r>
           </a:p>
@@ -5370,63 +5377,65 @@
           </a:xfrm>
         </p:spPr>
         <p:txBody>
-          <a:bodyPr/>
-          <a:lstStyle/>
-          <a:p>
-            <a:r>
-              <a:rPr lang="en-US" dirty="0"/>
+          <a:bodyPr>
+            <a:normAutofit/>
+          </a:bodyPr>
+          <a:lstStyle/>
+          <a:p>
+            <a:r>
+              <a:rPr lang="en-US" sz="2300" dirty="0"/>
               <a:t>BY: Raymond Fendi</a:t>
             </a:r>
           </a:p>
           <a:p>
             <a:r>
-              <a:rPr lang="en-US" dirty="0"/>
+              <a:rPr lang="en-US" sz="2300" dirty="0"/>
               <a:t>	</a:t>
             </a:r>
             <a:r>
-              <a:rPr lang="en-US" dirty="0" err="1"/>
-              <a:t>Gyzem</a:t>
-            </a:r>
-            <a:r>
-              <a:rPr lang="en-US" dirty="0"/>
+              <a:rPr lang="en-US" sz="2300" dirty="0" err="1"/>
+              <a:t>Gizem</a:t>
+            </a:r>
+            <a:r>
+              <a:rPr lang="en-US" sz="2300" dirty="0"/>
               <a:t> </a:t>
             </a:r>
             <a:r>
-              <a:rPr lang="en-US" dirty="0" err="1"/>
+              <a:rPr lang="en-US" sz="2300" dirty="0" err="1"/>
               <a:t>Yali</a:t>
             </a:r>
             <a:r>
-              <a:rPr lang="en-US" dirty="0"/>
+              <a:rPr lang="en-US" sz="2300" dirty="0"/>
               <a:t>-Pepper</a:t>
             </a:r>
           </a:p>
           <a:p>
             <a:r>
-              <a:rPr lang="en-US" dirty="0"/>
+              <a:rPr lang="en-US" sz="2300" dirty="0"/>
               <a:t>	Hernan </a:t>
             </a:r>
             <a:r>
-              <a:rPr lang="en-US" dirty="0" err="1"/>
+              <a:rPr lang="en-US" sz="2300" dirty="0" err="1"/>
               <a:t>Hernandes</a:t>
             </a:r>
-            <a:endParaRPr lang="en-US" dirty="0"/>
-          </a:p>
-          <a:p>
-            <a:r>
-              <a:rPr lang="en-US" dirty="0"/>
+            <a:endParaRPr lang="en-US" sz="2300" dirty="0"/>
+          </a:p>
+          <a:p>
+            <a:r>
+              <a:rPr lang="en-US" sz="2300" dirty="0"/>
               <a:t>	Alla Zbirun</a:t>
             </a:r>
           </a:p>
           <a:p>
             <a:r>
-              <a:rPr lang="en-US" dirty="0"/>
+              <a:rPr lang="en-US" sz="2300" dirty="0"/>
               <a:t>	Vlad </a:t>
             </a:r>
             <a:r>
-              <a:rPr lang="en-US" dirty="0" err="1"/>
+              <a:rPr lang="en-US" sz="2300" dirty="0" err="1"/>
               <a:t>Schepkov</a:t>
             </a:r>
-            <a:endParaRPr lang="en-US" dirty="0"/>
+            <a:endParaRPr lang="en-US" sz="2300" dirty="0"/>
           </a:p>
         </p:txBody>
       </p:sp>
@@ -5483,11 +5492,13 @@
           </a:xfrm>
         </p:spPr>
         <p:txBody>
-          <a:bodyPr/>
-          <a:lstStyle/>
-          <a:p>
-            <a:r>
-              <a:rPr lang="en-US" dirty="0"/>
+          <a:bodyPr>
+            <a:normAutofit/>
+          </a:bodyPr>
+          <a:lstStyle/>
+          <a:p>
+            <a:r>
+              <a:rPr lang="en-US" sz="3400" dirty="0"/>
               <a:t>What is it about …</a:t>
             </a:r>
           </a:p>
@@ -5511,7 +5522,7 @@
         </p:nvSpPr>
         <p:spPr>
           <a:xfrm>
-            <a:off x="684211" y="1876470"/>
+            <a:off x="684213" y="1370035"/>
             <a:ext cx="9374189" cy="4117930"/>
           </a:xfrm>
         </p:spPr>
@@ -5522,12 +5533,15 @@
           <a:lstStyle/>
           <a:p>
             <a:r>
-              <a:rPr lang="en-US" dirty="0"/>
-              <a:t>In recent years Twitter became a significant vessel in getting  latest sentiment of the current events.  We built an app, which pulls 200 latest tweets via API call based on the user input criteria and updates the dashboard based on the latest feed. Our goal is to get a sense of a person's identity by the common text written and the sentiment behind the tweet.</a:t>
-            </a:r>
-          </a:p>
-          <a:p>
-            <a:endParaRPr lang="en-US" dirty="0"/>
+              <a:rPr lang="en-US" sz="2500" dirty="0"/>
+              <a:t>Since its founding almost 15 years ago, Twitter has grown to become possibly the biggest resource for opinion expression on virtually any topic. </a:t>
+            </a:r>
+          </a:p>
+          <a:p>
+            <a:r>
+              <a:rPr lang="en-US" sz="2500" dirty="0"/>
+              <a:t>The goal of this project is to try and extract value out of that myriad of data by providing useful insights into public sentiment on a subject of your choosing.  </a:t>
+            </a:r>
           </a:p>
         </p:txBody>
       </p:sp>
@@ -5584,12 +5598,14 @@
           </a:xfrm>
         </p:spPr>
         <p:txBody>
-          <a:bodyPr/>
-          <a:lstStyle/>
-          <a:p>
-            <a:r>
-              <a:rPr lang="en-US" dirty="0"/>
-              <a:t>Data extraction and analysis</a:t>
+          <a:bodyPr>
+            <a:normAutofit/>
+          </a:bodyPr>
+          <a:lstStyle/>
+          <a:p>
+            <a:r>
+              <a:rPr lang="en-US" sz="3400" dirty="0"/>
+              <a:t>The technical part:</a:t>
             </a:r>
           </a:p>
         </p:txBody>
@@ -5612,8 +5628,8 @@
         </p:nvSpPr>
         <p:spPr>
           <a:xfrm>
-            <a:off x="684211" y="1876470"/>
-            <a:ext cx="9374189" cy="4570050"/>
+            <a:off x="684213" y="1872074"/>
+            <a:ext cx="10833710" cy="4570050"/>
           </a:xfrm>
         </p:spPr>
         <p:txBody>
@@ -5627,8 +5643,8 @@
               <a:buChar char="•"/>
             </a:pPr>
             <a:r>
-              <a:rPr lang="en-US" dirty="0"/>
-              <a:t>Extract data via Twitter API call</a:t>
+              <a:rPr lang="en-US" sz="2500" dirty="0"/>
+              <a:t>Create a webpage with intuitive UI</a:t>
             </a:r>
           </a:p>
           <a:p>
@@ -5637,8 +5653,8 @@
               <a:buChar char="•"/>
             </a:pPr>
             <a:r>
-              <a:rPr lang="en-US" dirty="0"/>
-              <a:t>Get person’s timeline</a:t>
+              <a:rPr lang="en-US" sz="2500" dirty="0"/>
+              <a:t>Extract data via Twitter API calls</a:t>
             </a:r>
           </a:p>
           <a:p>
@@ -5647,8 +5663,8 @@
               <a:buChar char="•"/>
             </a:pPr>
             <a:r>
-              <a:rPr lang="en-US" dirty="0"/>
-              <a:t>Explore, clean and write data into dataframe</a:t>
+              <a:rPr lang="en-US" sz="2500" dirty="0"/>
+              <a:t>Get person’s timeline</a:t>
             </a:r>
           </a:p>
           <a:p>
@@ -5657,8 +5673,8 @@
               <a:buChar char="•"/>
             </a:pPr>
             <a:r>
-              <a:rPr lang="en-US" dirty="0"/>
-              <a:t>Create sentiment categories</a:t>
+              <a:rPr lang="en-US" sz="2500" dirty="0"/>
+              <a:t>Explore, clean and write data into a dataframe</a:t>
             </a:r>
           </a:p>
           <a:p>
@@ -5667,14 +5683,9 @@
               <a:buChar char="•"/>
             </a:pPr>
             <a:r>
-              <a:rPr lang="en-US" dirty="0"/>
-              <a:t>Extract most commonly used phrases with </a:t>
-            </a:r>
-            <a:r>
-              <a:rPr lang="en-US" dirty="0" err="1"/>
-              <a:t>TfidfVectorizer</a:t>
-            </a:r>
-            <a:endParaRPr lang="en-US" dirty="0"/>
+              <a:rPr lang="en-US" sz="2500" dirty="0"/>
+              <a:t>Run sentiment analysis and break the output down into categories</a:t>
+            </a:r>
           </a:p>
           <a:p>
             <a:pPr marL="342900" indent="-342900">
@@ -5682,8 +5693,8 @@
               <a:buChar char="•"/>
             </a:pPr>
             <a:r>
-              <a:rPr lang="en-US" dirty="0"/>
-              <a:t>Create user input search function</a:t>
+              <a:rPr lang="en-US" sz="2500" dirty="0"/>
+              <a:t>Extract most commonly used word combinations using ML</a:t>
             </a:r>
           </a:p>
           <a:p>
@@ -5692,8 +5703,8 @@
               <a:buChar char="•"/>
             </a:pPr>
             <a:r>
-              <a:rPr lang="en-US" dirty="0"/>
-              <a:t>Determine type of devise used to tweet</a:t>
+              <a:rPr lang="en-US" sz="2500" dirty="0"/>
+              <a:t>Determine type of devise used to tweet and output stats for it</a:t>
             </a:r>
           </a:p>
           <a:p>
@@ -5702,8 +5713,8 @@
               <a:buChar char="•"/>
             </a:pPr>
             <a:r>
-              <a:rPr lang="en-US" dirty="0"/>
-              <a:t>Extract best and worst tweet</a:t>
+              <a:rPr lang="en-US" sz="2500" dirty="0"/>
+              <a:t>Output most positive &amp; most negative tweet</a:t>
             </a:r>
           </a:p>
           <a:p>
@@ -5711,7 +5722,7 @@
               <a:buFont typeface="Arial" panose="020B0604020202020204" pitchFamily="34" charset="0"/>
               <a:buChar char="•"/>
             </a:pPr>
-            <a:endParaRPr lang="en-US" dirty="0"/>
+            <a:endParaRPr lang="en-US" sz="2500" dirty="0"/>
           </a:p>
         </p:txBody>
       </p:sp>
@@ -5768,12 +5779,14 @@
           </a:xfrm>
         </p:spPr>
         <p:txBody>
-          <a:bodyPr/>
-          <a:lstStyle/>
-          <a:p>
-            <a:r>
-              <a:rPr lang="en-US" dirty="0"/>
-              <a:t>Tools Used</a:t>
+          <a:bodyPr>
+            <a:normAutofit/>
+          </a:bodyPr>
+          <a:lstStyle/>
+          <a:p>
+            <a:r>
+              <a:rPr lang="en-US" sz="3400" dirty="0"/>
+              <a:t>Tools used:</a:t>
             </a:r>
           </a:p>
         </p:txBody>
@@ -5796,7 +5809,7 @@
         </p:nvSpPr>
         <p:spPr>
           <a:xfrm>
-            <a:off x="684211" y="1876470"/>
+            <a:off x="684213" y="1419270"/>
             <a:ext cx="9374189" cy="4570050"/>
           </a:xfrm>
         </p:spPr>
@@ -5806,54 +5819,74 @@
           </a:bodyPr>
           <a:lstStyle/>
           <a:p>
-            <a:r>
-              <a:rPr lang="en-US" dirty="0"/>
-              <a:t>* Pandas, Numpy, Counter</a:t>
-            </a:r>
-          </a:p>
-          <a:p>
-            <a:r>
-              <a:rPr lang="en-US" dirty="0"/>
-              <a:t>* Twitter API, </a:t>
-            </a:r>
-            <a:r>
-              <a:rPr lang="en-US" dirty="0" err="1"/>
+            <a:pPr marL="342900" indent="-342900">
+              <a:buFont typeface="Courier New" panose="02070309020205020404" pitchFamily="49" charset="0"/>
+              <a:buChar char="o"/>
+            </a:pPr>
+            <a:r>
+              <a:rPr lang="en-US" sz="2500" dirty="0"/>
+              <a:t>Pandas, NumPy, Counter</a:t>
+            </a:r>
+          </a:p>
+          <a:p>
+            <a:pPr marL="342900" indent="-342900">
+              <a:buFont typeface="Courier New" panose="02070309020205020404" pitchFamily="49" charset="0"/>
+              <a:buChar char="o"/>
+            </a:pPr>
+            <a:r>
+              <a:rPr lang="en-US" sz="2500" dirty="0"/>
+              <a:t>Twitter API, </a:t>
+            </a:r>
+            <a:r>
+              <a:rPr lang="en-US" sz="2500" dirty="0" err="1"/>
               <a:t>TextBlob</a:t>
             </a:r>
             <a:r>
-              <a:rPr lang="en-US" dirty="0"/>
+              <a:rPr lang="en-US" sz="2500" dirty="0"/>
               <a:t>, </a:t>
             </a:r>
             <a:r>
-              <a:rPr lang="en-US" dirty="0" err="1"/>
-              <a:t>Sklearn</a:t>
-            </a:r>
-            <a:endParaRPr lang="en-US" dirty="0"/>
-          </a:p>
-          <a:p>
-            <a:r>
-              <a:rPr lang="en-US" dirty="0"/>
-              <a:t>* </a:t>
-            </a:r>
-            <a:r>
-              <a:rPr lang="en-US" dirty="0" err="1"/>
+              <a:rPr lang="en-US" sz="2500" dirty="0" err="1"/>
+              <a:t>sklearn</a:t>
+            </a:r>
+            <a:endParaRPr lang="en-US" sz="2500" dirty="0"/>
+          </a:p>
+          <a:p>
+            <a:pPr marL="342900" indent="-342900">
+              <a:buFont typeface="Courier New" panose="02070309020205020404" pitchFamily="49" charset="0"/>
+              <a:buChar char="o"/>
+            </a:pPr>
+            <a:r>
+              <a:rPr lang="en-US" sz="2500" dirty="0" err="1"/>
               <a:t>Plotly</a:t>
             </a:r>
             <a:r>
-              <a:rPr lang="en-US" dirty="0"/>
+              <a:rPr lang="en-US" sz="2500" dirty="0"/>
               <a:t>, Matplotlib</a:t>
             </a:r>
           </a:p>
           <a:p>
-            <a:r>
-              <a:rPr lang="en-US" dirty="0"/>
-              <a:t>* Html, CSS, Flask</a:t>
-            </a:r>
-          </a:p>
-          <a:p>
-            <a:r>
-              <a:rPr lang="en-US" dirty="0"/>
-              <a:t>* Heroku</a:t>
+            <a:pPr marL="342900" indent="-342900">
+              <a:buFont typeface="Courier New" panose="02070309020205020404" pitchFamily="49" charset="0"/>
+              <a:buChar char="o"/>
+            </a:pPr>
+            <a:r>
+              <a:rPr lang="en-US" sz="2500"/>
+              <a:t>HTML, </a:t>
+            </a:r>
+            <a:r>
+              <a:rPr lang="en-US" sz="2500" dirty="0"/>
+              <a:t>CSS, Flask</a:t>
+            </a:r>
+          </a:p>
+          <a:p>
+            <a:pPr marL="342900" indent="-342900">
+              <a:buFont typeface="Courier New" panose="02070309020205020404" pitchFamily="49" charset="0"/>
+              <a:buChar char="o"/>
+            </a:pPr>
+            <a:r>
+              <a:rPr lang="en-US" sz="2500" dirty="0"/>
+              <a:t>Heroku</a:t>
             </a:r>
           </a:p>
           <a:p>

--- a/Presentation.pptx
+++ b/Presentation.pptx
@@ -5628,7 +5628,7 @@
         </p:nvSpPr>
         <p:spPr>
           <a:xfrm>
-            <a:off x="684213" y="1872074"/>
+            <a:off x="674077" y="1406082"/>
             <a:ext cx="10833710" cy="4570050"/>
           </a:xfrm>
         </p:spPr>
@@ -5644,7 +5644,7 @@
             </a:pPr>
             <a:r>
               <a:rPr lang="en-US" sz="2500" dirty="0"/>
-              <a:t>Create a webpage with intuitive UI</a:t>
+              <a:t>Extract data via Twitter API calls</a:t>
             </a:r>
           </a:p>
           <a:p>
@@ -5654,7 +5654,7 @@
             </a:pPr>
             <a:r>
               <a:rPr lang="en-US" sz="2500" dirty="0"/>
-              <a:t>Extract data via Twitter API calls</a:t>
+              <a:t>Explore, clean and write data into a dataframe</a:t>
             </a:r>
           </a:p>
           <a:p>
@@ -5664,7 +5664,7 @@
             </a:pPr>
             <a:r>
               <a:rPr lang="en-US" sz="2500" dirty="0"/>
-              <a:t>Get person’s timeline</a:t>
+              <a:t>Run sentiment analysis and break the output down into categories</a:t>
             </a:r>
           </a:p>
           <a:p>
@@ -5674,7 +5674,7 @@
             </a:pPr>
             <a:r>
               <a:rPr lang="en-US" sz="2500" dirty="0"/>
-              <a:t>Explore, clean and write data into a dataframe</a:t>
+              <a:t>Extract most commonly used word combinations using ML</a:t>
             </a:r>
           </a:p>
           <a:p>
@@ -5684,7 +5684,7 @@
             </a:pPr>
             <a:r>
               <a:rPr lang="en-US" sz="2500" dirty="0"/>
-              <a:t>Run sentiment analysis and break the output down into categories</a:t>
+              <a:t>Determine type of devise used to tweet and output stats for it</a:t>
             </a:r>
           </a:p>
           <a:p>
@@ -5694,7 +5694,7 @@
             </a:pPr>
             <a:r>
               <a:rPr lang="en-US" sz="2500" dirty="0"/>
-              <a:t>Extract most commonly used word combinations using ML</a:t>
+              <a:t>Output most positive &amp; most negative tweet</a:t>
             </a:r>
           </a:p>
           <a:p>
@@ -5704,25 +5704,8 @@
             </a:pPr>
             <a:r>
               <a:rPr lang="en-US" sz="2500" dirty="0"/>
-              <a:t>Determine type of devise used to tweet and output stats for it</a:t>
-            </a:r>
-          </a:p>
-          <a:p>
-            <a:pPr marL="342900" indent="-342900">
-              <a:buFont typeface="Arial" panose="020B0604020202020204" pitchFamily="34" charset="0"/>
-              <a:buChar char="•"/>
-            </a:pPr>
-            <a:r>
-              <a:rPr lang="en-US" sz="2500" dirty="0"/>
-              <a:t>Output most positive &amp; most negative tweet</a:t>
-            </a:r>
-          </a:p>
-          <a:p>
-            <a:pPr marL="342900" indent="-342900">
-              <a:buFont typeface="Arial" panose="020B0604020202020204" pitchFamily="34" charset="0"/>
-              <a:buChar char="•"/>
-            </a:pPr>
-            <a:endParaRPr lang="en-US" sz="2500" dirty="0"/>
+              <a:t>Create a webpage with intuitive UI</a:t>
+            </a:r>
           </a:p>
         </p:txBody>
       </p:sp>
